--- a/CBP專案/API Document/CB API.pptx
+++ b/CBP專案/API Document/CB API.pptx
@@ -8,6 +8,7 @@
     <p:sldId id="256" r:id="rId2"/>
     <p:sldId id="257" r:id="rId3"/>
     <p:sldId id="258" r:id="rId4"/>
+    <p:sldId id="259" r:id="rId5"/>
   </p:sldIdLst>
   <p:sldSz cx="12192000" cy="6858000"/>
   <p:notesSz cx="6858000" cy="9144000"/>
@@ -106,6 +107,11 @@
       </a:defRPr>
     </a:lvl9pPr>
   </p:defaultTextStyle>
+  <p:extLst>
+    <p:ext uri="{EFAFB233-063F-42B5-8137-9DF3F51BA10A}">
+      <p15:sldGuideLst xmlns:p15="http://schemas.microsoft.com/office/powerpoint/2012/main"/>
+    </p:ext>
+  </p:extLst>
 </p:presentation>
 </file>
 
@@ -256,7 +262,7 @@
           <a:p>
             <a:fld id="{EF0D45BF-646C-F341-82A5-35359C838413}" type="datetimeFigureOut">
               <a:rPr kumimoji="1" lang="zh-TW" altLang="en-US" smtClean="0"/>
-              <a:t>2023/3/3</a:t>
+              <a:t>2023/3/6</a:t>
             </a:fld>
             <a:endParaRPr kumimoji="1" lang="zh-TW" altLang="en-US"/>
           </a:p>
@@ -454,7 +460,7 @@
           <a:p>
             <a:fld id="{EF0D45BF-646C-F341-82A5-35359C838413}" type="datetimeFigureOut">
               <a:rPr kumimoji="1" lang="zh-TW" altLang="en-US" smtClean="0"/>
-              <a:t>2023/3/3</a:t>
+              <a:t>2023/3/6</a:t>
             </a:fld>
             <a:endParaRPr kumimoji="1" lang="zh-TW" altLang="en-US"/>
           </a:p>
@@ -662,7 +668,7 @@
           <a:p>
             <a:fld id="{EF0D45BF-646C-F341-82A5-35359C838413}" type="datetimeFigureOut">
               <a:rPr kumimoji="1" lang="zh-TW" altLang="en-US" smtClean="0"/>
-              <a:t>2023/3/3</a:t>
+              <a:t>2023/3/6</a:t>
             </a:fld>
             <a:endParaRPr kumimoji="1" lang="zh-TW" altLang="en-US"/>
           </a:p>
@@ -860,7 +866,7 @@
           <a:p>
             <a:fld id="{EF0D45BF-646C-F341-82A5-35359C838413}" type="datetimeFigureOut">
               <a:rPr kumimoji="1" lang="zh-TW" altLang="en-US" smtClean="0"/>
-              <a:t>2023/3/3</a:t>
+              <a:t>2023/3/6</a:t>
             </a:fld>
             <a:endParaRPr kumimoji="1" lang="zh-TW" altLang="en-US"/>
           </a:p>
@@ -1135,7 +1141,7 @@
           <a:p>
             <a:fld id="{EF0D45BF-646C-F341-82A5-35359C838413}" type="datetimeFigureOut">
               <a:rPr kumimoji="1" lang="zh-TW" altLang="en-US" smtClean="0"/>
-              <a:t>2023/3/3</a:t>
+              <a:t>2023/3/6</a:t>
             </a:fld>
             <a:endParaRPr kumimoji="1" lang="zh-TW" altLang="en-US"/>
           </a:p>
@@ -1400,7 +1406,7 @@
           <a:p>
             <a:fld id="{EF0D45BF-646C-F341-82A5-35359C838413}" type="datetimeFigureOut">
               <a:rPr kumimoji="1" lang="zh-TW" altLang="en-US" smtClean="0"/>
-              <a:t>2023/3/3</a:t>
+              <a:t>2023/3/6</a:t>
             </a:fld>
             <a:endParaRPr kumimoji="1" lang="zh-TW" altLang="en-US"/>
           </a:p>
@@ -1812,7 +1818,7 @@
           <a:p>
             <a:fld id="{EF0D45BF-646C-F341-82A5-35359C838413}" type="datetimeFigureOut">
               <a:rPr kumimoji="1" lang="zh-TW" altLang="en-US" smtClean="0"/>
-              <a:t>2023/3/3</a:t>
+              <a:t>2023/3/6</a:t>
             </a:fld>
             <a:endParaRPr kumimoji="1" lang="zh-TW" altLang="en-US"/>
           </a:p>
@@ -1953,7 +1959,7 @@
           <a:p>
             <a:fld id="{EF0D45BF-646C-F341-82A5-35359C838413}" type="datetimeFigureOut">
               <a:rPr kumimoji="1" lang="zh-TW" altLang="en-US" smtClean="0"/>
-              <a:t>2023/3/3</a:t>
+              <a:t>2023/3/6</a:t>
             </a:fld>
             <a:endParaRPr kumimoji="1" lang="zh-TW" altLang="en-US"/>
           </a:p>
@@ -2066,7 +2072,7 @@
           <a:p>
             <a:fld id="{EF0D45BF-646C-F341-82A5-35359C838413}" type="datetimeFigureOut">
               <a:rPr kumimoji="1" lang="zh-TW" altLang="en-US" smtClean="0"/>
-              <a:t>2023/3/3</a:t>
+              <a:t>2023/3/6</a:t>
             </a:fld>
             <a:endParaRPr kumimoji="1" lang="zh-TW" altLang="en-US"/>
           </a:p>
@@ -2377,7 +2383,7 @@
           <a:p>
             <a:fld id="{EF0D45BF-646C-F341-82A5-35359C838413}" type="datetimeFigureOut">
               <a:rPr kumimoji="1" lang="zh-TW" altLang="en-US" smtClean="0"/>
-              <a:t>2023/3/3</a:t>
+              <a:t>2023/3/6</a:t>
             </a:fld>
             <a:endParaRPr kumimoji="1" lang="zh-TW" altLang="en-US"/>
           </a:p>
@@ -2665,7 +2671,7 @@
           <a:p>
             <a:fld id="{EF0D45BF-646C-F341-82A5-35359C838413}" type="datetimeFigureOut">
               <a:rPr kumimoji="1" lang="zh-TW" altLang="en-US" smtClean="0"/>
-              <a:t>2023/3/3</a:t>
+              <a:t>2023/3/6</a:t>
             </a:fld>
             <a:endParaRPr kumimoji="1" lang="zh-TW" altLang="en-US"/>
           </a:p>
@@ -2906,7 +2912,7 @@
           <a:p>
             <a:fld id="{EF0D45BF-646C-F341-82A5-35359C838413}" type="datetimeFigureOut">
               <a:rPr kumimoji="1" lang="zh-TW" altLang="en-US" smtClean="0"/>
-              <a:t>2023/3/3</a:t>
+              <a:t>2023/3/6</a:t>
             </a:fld>
             <a:endParaRPr kumimoji="1" lang="zh-TW" altLang="en-US"/>
           </a:p>
@@ -3919,8 +3925,428 @@
         </p:nvSpPr>
         <p:spPr>
           <a:xfrm>
-            <a:off x="993058" y="4067089"/>
-            <a:ext cx="6115664" cy="2554545"/>
+            <a:off x="1071999" y="4136260"/>
+            <a:ext cx="3426542" cy="2708434"/>
+          </a:xfrm>
+          <a:prstGeom prst="rect">
+            <a:avLst/>
+          </a:prstGeom>
+          <a:noFill/>
+          <a:ln>
+            <a:solidFill>
+              <a:schemeClr val="tx1"/>
+            </a:solidFill>
+          </a:ln>
+        </p:spPr>
+        <p:txBody>
+          <a:bodyPr wrap="square">
+            <a:spAutoFit/>
+          </a:bodyPr>
+          <a:lstStyle/>
+          <a:p>
+            <a:r>
+              <a:rPr lang="en-US" altLang="zh-TW" sz="1000" dirty="0"/>
+              <a:t>[</a:t>
+            </a:r>
+          </a:p>
+          <a:p>
+            <a:pPr lvl="1"/>
+            <a:r>
+              <a:rPr lang="zh-TW" altLang="en-US" sz="1000" dirty="0"/>
+              <a:t>{</a:t>
+            </a:r>
+          </a:p>
+          <a:p>
+            <a:pPr lvl="2"/>
+            <a:r>
+              <a:rPr lang="zh-TW" altLang="en-US" sz="1000" dirty="0"/>
+              <a:t> "CBID": </a:t>
+            </a:r>
+            <a:r>
+              <a:rPr lang="en-US" altLang="zh-TW" sz="1000" dirty="0"/>
+              <a:t>int / null</a:t>
+            </a:r>
+            <a:r>
+              <a:rPr lang="zh-TW" altLang="en-US" sz="1000" dirty="0"/>
+              <a:t>,</a:t>
+            </a:r>
+          </a:p>
+          <a:p>
+            <a:pPr lvl="2"/>
+            <a:r>
+              <a:rPr lang="zh-TW" altLang="en-US" sz="1000" dirty="0"/>
+              <a:t> "BLDetailID": </a:t>
+            </a:r>
+            <a:r>
+              <a:rPr lang="en-US" altLang="zh-TW" sz="1000" dirty="0"/>
+              <a:t>int / </a:t>
+            </a:r>
+            <a:r>
+              <a:rPr lang="zh-TW" altLang="en-US" sz="1000" dirty="0"/>
+              <a:t>null,</a:t>
+            </a:r>
+          </a:p>
+          <a:p>
+            <a:pPr lvl="2"/>
+            <a:r>
+              <a:rPr lang="zh-TW" altLang="en-US" sz="1000" dirty="0"/>
+              <a:t> "WorkTitle": </a:t>
+            </a:r>
+            <a:r>
+              <a:rPr lang="en-US" altLang="zh-TW" sz="1000" dirty="0"/>
+              <a:t>string / null</a:t>
+            </a:r>
+            <a:r>
+              <a:rPr lang="zh-TW" altLang="en-US" sz="1000" dirty="0"/>
+              <a:t>,</a:t>
+            </a:r>
+          </a:p>
+          <a:p>
+            <a:pPr lvl="2"/>
+            <a:r>
+              <a:rPr lang="zh-TW" altLang="en-US" sz="1000" dirty="0"/>
+              <a:t> "InvoiceNo": </a:t>
+            </a:r>
+            <a:r>
+              <a:rPr lang="en-US" altLang="zh-TW" sz="1000" dirty="0"/>
+              <a:t> string / null</a:t>
+            </a:r>
+            <a:r>
+              <a:rPr lang="zh-TW" altLang="en-US" sz="1000" dirty="0"/>
+              <a:t>,</a:t>
+            </a:r>
+          </a:p>
+          <a:p>
+            <a:pPr lvl="2"/>
+            <a:r>
+              <a:rPr lang="zh-TW" altLang="en-US" sz="1000" dirty="0"/>
+              <a:t> "PartyName": "CHT",</a:t>
+            </a:r>
+          </a:p>
+          <a:p>
+            <a:pPr lvl="2"/>
+            <a:r>
+              <a:rPr lang="zh-TW" altLang="en-US" sz="1000" dirty="0"/>
+              <a:t> "LastUpdDate": 2023-03-01T00:00:00</a:t>
+            </a:r>
+            <a:r>
+              <a:rPr lang="en-US" altLang="zh-TW" sz="1000" dirty="0"/>
+              <a:t> / null</a:t>
+            </a:r>
+            <a:r>
+              <a:rPr lang="zh-TW" altLang="en-US" sz="1000" dirty="0"/>
+              <a:t>,</a:t>
+            </a:r>
+          </a:p>
+          <a:p>
+            <a:pPr lvl="2"/>
+            <a:r>
+              <a:rPr lang="zh-TW" altLang="en-US" sz="1000" dirty="0"/>
+              <a:t> "SubmarineCable": </a:t>
+            </a:r>
+            <a:r>
+              <a:rPr lang="en-US" altLang="zh-TW" sz="1000" dirty="0"/>
+              <a:t>string / null</a:t>
+            </a:r>
+            <a:r>
+              <a:rPr lang="zh-TW" altLang="en-US" sz="1000" dirty="0"/>
+              <a:t>,</a:t>
+            </a:r>
+          </a:p>
+          <a:p>
+            <a:pPr lvl="2"/>
+            <a:r>
+              <a:rPr lang="zh-TW" altLang="en-US" sz="1000" dirty="0"/>
+              <a:t> "CBType":</a:t>
+            </a:r>
+            <a:r>
+              <a:rPr lang="en-US" altLang="zh-TW" sz="1000" dirty="0"/>
+              <a:t> string / null</a:t>
+            </a:r>
+            <a:r>
+              <a:rPr lang="zh-TW" altLang="en-US" sz="1000" dirty="0"/>
+              <a:t>,</a:t>
+            </a:r>
+          </a:p>
+          <a:p>
+            <a:pPr lvl="2"/>
+            <a:r>
+              <a:rPr lang="zh-TW" altLang="en-US" sz="1000" dirty="0"/>
+              <a:t> "BillingNo": </a:t>
+            </a:r>
+            <a:r>
+              <a:rPr lang="en-US" altLang="zh-TW" sz="1000" dirty="0"/>
+              <a:t>string / </a:t>
+            </a:r>
+            <a:r>
+              <a:rPr lang="zh-TW" altLang="en-US" sz="1000" dirty="0"/>
+              <a:t>null,</a:t>
+            </a:r>
+          </a:p>
+          <a:p>
+            <a:pPr lvl="2"/>
+            <a:r>
+              <a:rPr lang="zh-TW" altLang="en-US" sz="1000" dirty="0"/>
+              <a:t> "BillMilestone": </a:t>
+            </a:r>
+            <a:r>
+              <a:rPr lang="en-US" altLang="zh-TW" sz="1000" dirty="0"/>
+              <a:t>string / null</a:t>
+            </a:r>
+            <a:r>
+              <a:rPr lang="zh-TW" altLang="en-US" sz="1000" dirty="0"/>
+              <a:t>,</a:t>
+            </a:r>
+          </a:p>
+          <a:p>
+            <a:pPr lvl="2"/>
+            <a:r>
+              <a:rPr lang="zh-TW" altLang="en-US" sz="1000" dirty="0"/>
+              <a:t> "CurrAmount": </a:t>
+            </a:r>
+            <a:r>
+              <a:rPr lang="en-US" altLang="zh-TW" sz="1000" dirty="0"/>
+              <a:t>float</a:t>
+            </a:r>
+            <a:r>
+              <a:rPr lang="zh-TW" altLang="en-US" sz="1000" dirty="0"/>
+              <a:t>,</a:t>
+            </a:r>
+          </a:p>
+          <a:p>
+            <a:pPr lvl="2"/>
+            <a:r>
+              <a:rPr lang="zh-TW" altLang="en-US" sz="1000" dirty="0"/>
+              <a:t> "CreateDate": "2023-03-01T00:00:00</a:t>
+            </a:r>
+            <a:r>
+              <a:rPr lang="en-US" altLang="zh-TW" sz="1000" dirty="0"/>
+              <a:t>"</a:t>
+            </a:r>
+            <a:r>
+              <a:rPr lang="zh-TW" altLang="en-US" sz="1000" dirty="0"/>
+              <a:t>,</a:t>
+            </a:r>
+          </a:p>
+          <a:p>
+            <a:pPr lvl="2"/>
+            <a:r>
+              <a:rPr lang="zh-TW" altLang="en-US" sz="1000" dirty="0"/>
+              <a:t> "Note": </a:t>
+            </a:r>
+            <a:r>
+              <a:rPr lang="en-US" altLang="zh-TW" sz="1000" dirty="0"/>
+              <a:t>string / null</a:t>
+            </a:r>
+            <a:endParaRPr lang="zh-TW" altLang="en-US" sz="1000" dirty="0"/>
+          </a:p>
+          <a:p>
+            <a:pPr lvl="1"/>
+            <a:r>
+              <a:rPr lang="zh-TW" altLang="en-US" sz="1000" dirty="0"/>
+              <a:t>}</a:t>
+            </a:r>
+            <a:endParaRPr lang="en-US" altLang="zh-TW" sz="1000" dirty="0"/>
+          </a:p>
+          <a:p>
+            <a:r>
+              <a:rPr lang="en-US" altLang="zh-TW" sz="1000" dirty="0"/>
+              <a:t>]</a:t>
+            </a:r>
+            <a:endParaRPr lang="zh-TW" altLang="en-US" sz="1000" dirty="0"/>
+          </a:p>
+        </p:txBody>
+      </p:sp>
+      <p:sp>
+        <p:nvSpPr>
+          <p:cNvPr id="5" name="文字方塊 4">
+            <a:extLst>
+              <a:ext uri="{FF2B5EF4-FFF2-40B4-BE49-F238E27FC236}">
+                <a16:creationId xmlns:a16="http://schemas.microsoft.com/office/drawing/2014/main" id="{075801BA-7B1A-6984-63D4-CE6DFECD6D9E}"/>
+              </a:ext>
+            </a:extLst>
+          </p:cNvPr>
+          <p:cNvSpPr txBox="1"/>
+          <p:nvPr/>
+        </p:nvSpPr>
+        <p:spPr>
+          <a:xfrm>
+            <a:off x="1764885" y="1406890"/>
+            <a:ext cx="2563916" cy="246221"/>
+          </a:xfrm>
+          <a:prstGeom prst="rect">
+            <a:avLst/>
+          </a:prstGeom>
+          <a:noFill/>
+          <a:ln>
+            <a:solidFill>
+              <a:srgbClr val="FF0000"/>
+            </a:solidFill>
+          </a:ln>
+        </p:spPr>
+        <p:txBody>
+          <a:bodyPr wrap="square">
+            <a:spAutoFit/>
+          </a:bodyPr>
+          <a:lstStyle/>
+          <a:p>
+            <a:r>
+              <a:rPr lang="en-US" altLang="zh-TW" sz="1000" dirty="0"/>
+              <a:t>GET</a:t>
+            </a:r>
+            <a:r>
+              <a:rPr lang="zh-TW" altLang="en-US" sz="1000" dirty="0"/>
+              <a:t> http://127.0.0.1:8000/api/v1/Parties/all</a:t>
+            </a:r>
+          </a:p>
+        </p:txBody>
+      </p:sp>
+      <p:cxnSp>
+        <p:nvCxnSpPr>
+          <p:cNvPr id="10" name="直線箭頭接點 9">
+            <a:extLst>
+              <a:ext uri="{FF2B5EF4-FFF2-40B4-BE49-F238E27FC236}">
+                <a16:creationId xmlns:a16="http://schemas.microsoft.com/office/drawing/2014/main" id="{5EF25470-D60C-5F6F-3B67-BFAB9CADF1F7}"/>
+              </a:ext>
+            </a:extLst>
+          </p:cNvPr>
+          <p:cNvCxnSpPr>
+            <a:cxnSpLocks/>
+            <a:stCxn id="5" idx="2"/>
+          </p:cNvCxnSpPr>
+          <p:nvPr/>
+        </p:nvCxnSpPr>
+        <p:spPr>
+          <a:xfrm flipH="1">
+            <a:off x="2232212" y="1653111"/>
+            <a:ext cx="814631" cy="220513"/>
+          </a:xfrm>
+          <a:prstGeom prst="straightConnector1">
+            <a:avLst/>
+          </a:prstGeom>
+          <a:ln>
+            <a:solidFill>
+              <a:srgbClr val="FF0000"/>
+            </a:solidFill>
+            <a:tailEnd type="triangle"/>
+          </a:ln>
+        </p:spPr>
+        <p:style>
+          <a:lnRef idx="1">
+            <a:schemeClr val="accent1"/>
+          </a:lnRef>
+          <a:fillRef idx="0">
+            <a:schemeClr val="accent1"/>
+          </a:fillRef>
+          <a:effectRef idx="0">
+            <a:schemeClr val="accent1"/>
+          </a:effectRef>
+          <a:fontRef idx="minor">
+            <a:schemeClr val="tx1"/>
+          </a:fontRef>
+        </p:style>
+      </p:cxnSp>
+      <p:sp>
+        <p:nvSpPr>
+          <p:cNvPr id="14" name="文字方塊 13">
+            <a:extLst>
+              <a:ext uri="{FF2B5EF4-FFF2-40B4-BE49-F238E27FC236}">
+                <a16:creationId xmlns:a16="http://schemas.microsoft.com/office/drawing/2014/main" id="{9DC1C0D1-4E45-E1A8-E537-5D355ED67216}"/>
+              </a:ext>
+            </a:extLst>
+          </p:cNvPr>
+          <p:cNvSpPr txBox="1"/>
+          <p:nvPr/>
+        </p:nvSpPr>
+        <p:spPr>
+          <a:xfrm>
+            <a:off x="4419600" y="1266662"/>
+            <a:ext cx="3048000" cy="246221"/>
+          </a:xfrm>
+          <a:prstGeom prst="rect">
+            <a:avLst/>
+          </a:prstGeom>
+          <a:noFill/>
+          <a:ln>
+            <a:solidFill>
+              <a:srgbClr val="FF0000"/>
+            </a:solidFill>
+          </a:ln>
+        </p:spPr>
+        <p:txBody>
+          <a:bodyPr wrap="square">
+            <a:spAutoFit/>
+          </a:bodyPr>
+          <a:lstStyle/>
+          <a:p>
+            <a:r>
+              <a:rPr lang="zh-TW" altLang="en-US" sz="1000" dirty="0"/>
+              <a:t>GET http://127.0.0.1:8000/api/v1/SubmarineCables/all</a:t>
+            </a:r>
+          </a:p>
+        </p:txBody>
+      </p:sp>
+      <p:cxnSp>
+        <p:nvCxnSpPr>
+          <p:cNvPr id="16" name="直線箭頭接點 15">
+            <a:extLst>
+              <a:ext uri="{FF2B5EF4-FFF2-40B4-BE49-F238E27FC236}">
+                <a16:creationId xmlns:a16="http://schemas.microsoft.com/office/drawing/2014/main" id="{B81B1EEE-FECE-A25D-9C70-4EC9E7D75037}"/>
+              </a:ext>
+            </a:extLst>
+          </p:cNvPr>
+          <p:cNvCxnSpPr>
+            <a:cxnSpLocks/>
+            <a:stCxn id="14" idx="2"/>
+          </p:cNvCxnSpPr>
+          <p:nvPr/>
+        </p:nvCxnSpPr>
+        <p:spPr>
+          <a:xfrm>
+            <a:off x="5943600" y="1512883"/>
+            <a:ext cx="47134" cy="360741"/>
+          </a:xfrm>
+          <a:prstGeom prst="straightConnector1">
+            <a:avLst/>
+          </a:prstGeom>
+          <a:ln>
+            <a:solidFill>
+              <a:srgbClr val="FF0000"/>
+            </a:solidFill>
+            <a:tailEnd type="triangle"/>
+          </a:ln>
+        </p:spPr>
+        <p:style>
+          <a:lnRef idx="1">
+            <a:schemeClr val="accent1"/>
+          </a:lnRef>
+          <a:fillRef idx="0">
+            <a:schemeClr val="accent1"/>
+          </a:fillRef>
+          <a:effectRef idx="0">
+            <a:schemeClr val="accent1"/>
+          </a:effectRef>
+          <a:fontRef idx="minor">
+            <a:schemeClr val="tx1"/>
+          </a:fontRef>
+        </p:style>
+      </p:cxnSp>
+      <p:sp>
+        <p:nvSpPr>
+          <p:cNvPr id="21" name="文字方塊 20">
+            <a:extLst>
+              <a:ext uri="{FF2B5EF4-FFF2-40B4-BE49-F238E27FC236}">
+                <a16:creationId xmlns:a16="http://schemas.microsoft.com/office/drawing/2014/main" id="{17E4A4D6-871C-9D08-D776-2028F505AA67}"/>
+              </a:ext>
+            </a:extLst>
+          </p:cNvPr>
+          <p:cNvSpPr txBox="1"/>
+          <p:nvPr/>
+        </p:nvSpPr>
+        <p:spPr>
+          <a:xfrm>
+            <a:off x="993058" y="3935388"/>
+            <a:ext cx="1123160" cy="246221"/>
           </a:xfrm>
           <a:prstGeom prst="rect">
             <a:avLst/>
@@ -3938,203 +4364,279 @@
               <a:t>Response Content:</a:t>
             </a:r>
           </a:p>
-          <a:p>
-            <a:r>
-              <a:rPr lang="zh-TW" altLang="en-US" sz="1000" dirty="0"/>
-              <a:t>{</a:t>
-            </a:r>
-          </a:p>
-          <a:p>
-            <a:r>
-              <a:rPr lang="zh-TW" altLang="en-US" sz="1000" dirty="0"/>
-              <a:t>  "CBID": </a:t>
-            </a:r>
-            <a:r>
-              <a:rPr lang="en-US" altLang="zh-TW" sz="1000" dirty="0"/>
-              <a:t>int / null</a:t>
-            </a:r>
-            <a:r>
-              <a:rPr lang="zh-TW" altLang="en-US" sz="1000" dirty="0"/>
-              <a:t>,</a:t>
-            </a:r>
-          </a:p>
-          <a:p>
-            <a:r>
-              <a:rPr lang="zh-TW" altLang="en-US" sz="1000" dirty="0"/>
-              <a:t>  "BLDetailID": </a:t>
-            </a:r>
-            <a:r>
-              <a:rPr lang="en-US" altLang="zh-TW" sz="1000" dirty="0"/>
-              <a:t>int / </a:t>
-            </a:r>
-            <a:r>
-              <a:rPr lang="zh-TW" altLang="en-US" sz="1000" dirty="0"/>
-              <a:t>null,</a:t>
-            </a:r>
-          </a:p>
-          <a:p>
-            <a:r>
-              <a:rPr lang="zh-TW" altLang="en-US" sz="1000" dirty="0"/>
-              <a:t>  "WorkTitle": </a:t>
-            </a:r>
-            <a:r>
-              <a:rPr lang="en-US" altLang="zh-TW" sz="1000" dirty="0"/>
-              <a:t>string / null</a:t>
-            </a:r>
-            <a:r>
-              <a:rPr lang="zh-TW" altLang="en-US" sz="1000" dirty="0"/>
-              <a:t>,</a:t>
-            </a:r>
-          </a:p>
-          <a:p>
-            <a:r>
-              <a:rPr lang="zh-TW" altLang="en-US" sz="1000" dirty="0"/>
-              <a:t>  "InvoiceNo": </a:t>
-            </a:r>
-            <a:r>
-              <a:rPr lang="en-US" altLang="zh-TW" sz="1000" dirty="0"/>
-              <a:t> string / null</a:t>
-            </a:r>
-            <a:r>
-              <a:rPr lang="zh-TW" altLang="en-US" sz="1000" dirty="0"/>
-              <a:t>,</a:t>
-            </a:r>
-          </a:p>
-          <a:p>
-            <a:r>
-              <a:rPr lang="zh-TW" altLang="en-US" sz="1000" dirty="0"/>
-              <a:t>  "PartyName": "CHT",</a:t>
-            </a:r>
-          </a:p>
-          <a:p>
-            <a:r>
-              <a:rPr lang="zh-TW" altLang="en-US" sz="1000" dirty="0"/>
-              <a:t>  "LastUpdDate": 2023-03-01T00:00:00</a:t>
-            </a:r>
-            <a:r>
-              <a:rPr lang="en-US" altLang="zh-TW" sz="1000" dirty="0"/>
-              <a:t> / null</a:t>
-            </a:r>
-            <a:r>
-              <a:rPr lang="zh-TW" altLang="en-US" sz="1000" dirty="0"/>
-              <a:t>,</a:t>
-            </a:r>
-          </a:p>
-          <a:p>
-            <a:r>
-              <a:rPr lang="zh-TW" altLang="en-US" sz="1000" dirty="0"/>
-              <a:t>  "SubmarineCable": </a:t>
-            </a:r>
-            <a:r>
-              <a:rPr lang="en-US" altLang="zh-TW" sz="1000" dirty="0"/>
-              <a:t>string / null</a:t>
-            </a:r>
-            <a:r>
-              <a:rPr lang="zh-TW" altLang="en-US" sz="1000" dirty="0"/>
-              <a:t>,</a:t>
-            </a:r>
-          </a:p>
-          <a:p>
-            <a:r>
-              <a:rPr lang="zh-TW" altLang="en-US" sz="1000" dirty="0"/>
-              <a:t>  "CBType":</a:t>
-            </a:r>
-            <a:r>
-              <a:rPr lang="en-US" altLang="zh-TW" sz="1000" dirty="0"/>
-              <a:t> string / null</a:t>
-            </a:r>
-            <a:r>
-              <a:rPr lang="zh-TW" altLang="en-US" sz="1000" dirty="0"/>
-              <a:t>,</a:t>
-            </a:r>
-          </a:p>
-          <a:p>
-            <a:r>
-              <a:rPr lang="zh-TW" altLang="en-US" sz="1000" dirty="0"/>
-              <a:t> </a:t>
-            </a:r>
-            <a:r>
-              <a:rPr lang="en-US" altLang="zh-TW" sz="1000" dirty="0"/>
-              <a:t> </a:t>
-            </a:r>
-            <a:r>
-              <a:rPr lang="zh-TW" altLang="en-US" sz="1000" dirty="0"/>
-              <a:t>"BillingNo": </a:t>
-            </a:r>
-            <a:r>
-              <a:rPr lang="en-US" altLang="zh-TW" sz="1000" dirty="0"/>
-              <a:t>string / </a:t>
-            </a:r>
-            <a:r>
-              <a:rPr lang="zh-TW" altLang="en-US" sz="1000" dirty="0"/>
-              <a:t>null,</a:t>
-            </a:r>
-          </a:p>
-          <a:p>
-            <a:r>
-              <a:rPr lang="zh-TW" altLang="en-US" sz="1000" dirty="0"/>
-              <a:t>  "BillMilestone": </a:t>
-            </a:r>
-            <a:r>
-              <a:rPr lang="en-US" altLang="zh-TW" sz="1000" dirty="0"/>
-              <a:t>string / null</a:t>
-            </a:r>
-            <a:r>
-              <a:rPr lang="zh-TW" altLang="en-US" sz="1000" dirty="0"/>
-              <a:t>,</a:t>
-            </a:r>
-          </a:p>
-          <a:p>
-            <a:r>
-              <a:rPr lang="zh-TW" altLang="en-US" sz="1000" dirty="0"/>
-              <a:t>  "CurrAmount": </a:t>
-            </a:r>
-            <a:r>
-              <a:rPr lang="en-US" altLang="zh-TW" sz="1000" dirty="0"/>
-              <a:t>float</a:t>
-            </a:r>
-            <a:r>
-              <a:rPr lang="zh-TW" altLang="en-US" sz="1000" dirty="0"/>
-              <a:t>,</a:t>
-            </a:r>
-          </a:p>
-          <a:p>
-            <a:r>
-              <a:rPr lang="zh-TW" altLang="en-US" sz="1000" dirty="0"/>
-              <a:t>  "CreateDate": "2023-03-01T00:00:00</a:t>
-            </a:r>
-            <a:r>
-              <a:rPr lang="en-US" altLang="zh-TW" sz="1000" dirty="0"/>
-              <a:t>"</a:t>
-            </a:r>
-            <a:r>
-              <a:rPr lang="zh-TW" altLang="en-US" sz="1000" dirty="0"/>
-              <a:t>,</a:t>
-            </a:r>
-          </a:p>
-          <a:p>
-            <a:r>
-              <a:rPr lang="zh-TW" altLang="en-US" sz="1000" dirty="0"/>
-              <a:t>  "Note": </a:t>
-            </a:r>
-            <a:r>
-              <a:rPr lang="en-US" altLang="zh-TW" sz="1000" dirty="0"/>
-              <a:t>string / null</a:t>
-            </a:r>
-            <a:endParaRPr lang="zh-TW" altLang="en-US" sz="1000" dirty="0"/>
-          </a:p>
-          <a:p>
-            <a:r>
-              <a:rPr lang="zh-TW" altLang="en-US" sz="1000" dirty="0"/>
-              <a:t>}</a:t>
-            </a:r>
-          </a:p>
         </p:txBody>
       </p:sp>
     </p:spTree>
     <p:extLst>
       <p:ext uri="{BB962C8B-B14F-4D97-AF65-F5344CB8AC3E}">
         <p14:creationId xmlns:p14="http://schemas.microsoft.com/office/powerpoint/2010/main" val="140468838"/>
+      </p:ext>
+    </p:extLst>
+  </p:cSld>
+  <p:clrMapOvr>
+    <a:masterClrMapping/>
+  </p:clrMapOvr>
+</p:sld>
+</file>
+
+<file path=ppt/slides/slide4.xml><?xml version="1.0" encoding="utf-8"?>
+<p:sld xmlns:a="http://schemas.openxmlformats.org/drawingml/2006/main" xmlns:r="http://schemas.openxmlformats.org/officeDocument/2006/relationships" xmlns:p="http://schemas.openxmlformats.org/presentationml/2006/main">
+  <p:cSld>
+    <p:spTree>
+      <p:nvGrpSpPr>
+        <p:cNvPr id="1" name=""/>
+        <p:cNvGrpSpPr/>
+        <p:nvPr/>
+      </p:nvGrpSpPr>
+      <p:grpSpPr>
+        <a:xfrm>
+          <a:off x="0" y="0"/>
+          <a:ext cx="0" cy="0"/>
+          <a:chOff x="0" y="0"/>
+          <a:chExt cx="0" cy="0"/>
+        </a:xfrm>
+      </p:grpSpPr>
+      <p:sp>
+        <p:nvSpPr>
+          <p:cNvPr id="2" name="標題 1">
+            <a:extLst>
+              <a:ext uri="{FF2B5EF4-FFF2-40B4-BE49-F238E27FC236}">
+                <a16:creationId xmlns:a16="http://schemas.microsoft.com/office/drawing/2014/main" id="{79CF2812-F510-9052-CAEE-947364BEAB4F}"/>
+              </a:ext>
+            </a:extLst>
+          </p:cNvPr>
+          <p:cNvSpPr>
+            <a:spLocks noGrp="1"/>
+          </p:cNvSpPr>
+          <p:nvPr>
+            <p:ph type="title"/>
+          </p:nvPr>
+        </p:nvSpPr>
+        <p:spPr/>
+        <p:txBody>
+          <a:bodyPr/>
+          <a:lstStyle/>
+          <a:p>
+            <a:r>
+              <a:rPr kumimoji="1" lang="zh-TW" altLang="en-US" dirty="0"/>
+              <a:t>查詢</a:t>
+            </a:r>
+            <a:r>
+              <a:rPr kumimoji="1" lang="en-US" altLang="zh-TW" dirty="0"/>
+              <a:t>CB</a:t>
+            </a:r>
+            <a:endParaRPr kumimoji="1" lang="zh-TW" altLang="en-US" dirty="0"/>
+          </a:p>
+        </p:txBody>
+      </p:sp>
+      <p:sp>
+        <p:nvSpPr>
+          <p:cNvPr id="5" name="文字方塊 4">
+            <a:extLst>
+              <a:ext uri="{FF2B5EF4-FFF2-40B4-BE49-F238E27FC236}">
+                <a16:creationId xmlns:a16="http://schemas.microsoft.com/office/drawing/2014/main" id="{075801BA-7B1A-6984-63D4-CE6DFECD6D9E}"/>
+              </a:ext>
+            </a:extLst>
+          </p:cNvPr>
+          <p:cNvSpPr txBox="1"/>
+          <p:nvPr/>
+        </p:nvSpPr>
+        <p:spPr>
+          <a:xfrm>
+            <a:off x="1749771" y="1803849"/>
+            <a:ext cx="2563916" cy="246221"/>
+          </a:xfrm>
+          <a:prstGeom prst="rect">
+            <a:avLst/>
+          </a:prstGeom>
+          <a:noFill/>
+          <a:ln>
+            <a:solidFill>
+              <a:srgbClr val="FF0000"/>
+            </a:solidFill>
+          </a:ln>
+        </p:spPr>
+        <p:txBody>
+          <a:bodyPr wrap="square">
+            <a:spAutoFit/>
+          </a:bodyPr>
+          <a:lstStyle/>
+          <a:p>
+            <a:r>
+              <a:rPr lang="en-US" altLang="zh-TW" sz="1000" dirty="0"/>
+              <a:t>GET</a:t>
+            </a:r>
+            <a:r>
+              <a:rPr lang="zh-TW" altLang="en-US" sz="1000" dirty="0"/>
+              <a:t> http://127.0.0.1:8000/api/v1/Parties/all</a:t>
+            </a:r>
+          </a:p>
+        </p:txBody>
+      </p:sp>
+      <p:sp>
+        <p:nvSpPr>
+          <p:cNvPr id="14" name="文字方塊 13">
+            <a:extLst>
+              <a:ext uri="{FF2B5EF4-FFF2-40B4-BE49-F238E27FC236}">
+                <a16:creationId xmlns:a16="http://schemas.microsoft.com/office/drawing/2014/main" id="{9DC1C0D1-4E45-E1A8-E537-5D355ED67216}"/>
+              </a:ext>
+            </a:extLst>
+          </p:cNvPr>
+          <p:cNvSpPr txBox="1"/>
+          <p:nvPr/>
+        </p:nvSpPr>
+        <p:spPr>
+          <a:xfrm>
+            <a:off x="1438404" y="4856249"/>
+            <a:ext cx="3048000" cy="246221"/>
+          </a:xfrm>
+          <a:prstGeom prst="rect">
+            <a:avLst/>
+          </a:prstGeom>
+          <a:noFill/>
+          <a:ln>
+            <a:solidFill>
+              <a:srgbClr val="FF0000"/>
+            </a:solidFill>
+          </a:ln>
+        </p:spPr>
+        <p:txBody>
+          <a:bodyPr wrap="square">
+            <a:spAutoFit/>
+          </a:bodyPr>
+          <a:lstStyle/>
+          <a:p>
+            <a:r>
+              <a:rPr lang="zh-TW" altLang="en-US" sz="1000" dirty="0"/>
+              <a:t>GET http://127.0.0.1:8000/api/v1/SubmarineCables/all</a:t>
+            </a:r>
+          </a:p>
+        </p:txBody>
+      </p:sp>
+      <p:pic>
+        <p:nvPicPr>
+          <p:cNvPr id="6" name="圖片 5">
+            <a:extLst>
+              <a:ext uri="{FF2B5EF4-FFF2-40B4-BE49-F238E27FC236}">
+                <a16:creationId xmlns:a16="http://schemas.microsoft.com/office/drawing/2014/main" id="{469F6199-0C18-B4EA-C092-F37C20D9A7AF}"/>
+              </a:ext>
+            </a:extLst>
+          </p:cNvPr>
+          <p:cNvPicPr>
+            <a:picLocks noChangeAspect="1"/>
+          </p:cNvPicPr>
+          <p:nvPr/>
+        </p:nvPicPr>
+        <p:blipFill>
+          <a:blip r:embed="rId2"/>
+          <a:stretch>
+            <a:fillRect/>
+          </a:stretch>
+        </p:blipFill>
+        <p:spPr>
+          <a:xfrm>
+            <a:off x="1444599" y="2264903"/>
+            <a:ext cx="4889500" cy="1905000"/>
+          </a:xfrm>
+          <a:prstGeom prst="rect">
+            <a:avLst/>
+          </a:prstGeom>
+        </p:spPr>
+      </p:pic>
+      <p:cxnSp>
+        <p:nvCxnSpPr>
+          <p:cNvPr id="10" name="直線箭頭接點 9">
+            <a:extLst>
+              <a:ext uri="{FF2B5EF4-FFF2-40B4-BE49-F238E27FC236}">
+                <a16:creationId xmlns:a16="http://schemas.microsoft.com/office/drawing/2014/main" id="{5EF25470-D60C-5F6F-3B67-BFAB9CADF1F7}"/>
+              </a:ext>
+            </a:extLst>
+          </p:cNvPr>
+          <p:cNvCxnSpPr>
+            <a:cxnSpLocks/>
+            <a:stCxn id="5" idx="2"/>
+          </p:cNvCxnSpPr>
+          <p:nvPr/>
+        </p:nvCxnSpPr>
+        <p:spPr>
+          <a:xfrm flipH="1">
+            <a:off x="2138638" y="2050070"/>
+            <a:ext cx="893091" cy="1018082"/>
+          </a:xfrm>
+          <a:prstGeom prst="straightConnector1">
+            <a:avLst/>
+          </a:prstGeom>
+          <a:ln>
+            <a:solidFill>
+              <a:srgbClr val="FF0000"/>
+            </a:solidFill>
+            <a:tailEnd type="triangle"/>
+          </a:ln>
+        </p:spPr>
+        <p:style>
+          <a:lnRef idx="1">
+            <a:schemeClr val="accent1"/>
+          </a:lnRef>
+          <a:fillRef idx="0">
+            <a:schemeClr val="accent1"/>
+          </a:fillRef>
+          <a:effectRef idx="0">
+            <a:schemeClr val="accent1"/>
+          </a:effectRef>
+          <a:fontRef idx="minor">
+            <a:schemeClr val="tx1"/>
+          </a:fontRef>
+        </p:style>
+      </p:cxnSp>
+      <p:cxnSp>
+        <p:nvCxnSpPr>
+          <p:cNvPr id="16" name="直線箭頭接點 15">
+            <a:extLst>
+              <a:ext uri="{FF2B5EF4-FFF2-40B4-BE49-F238E27FC236}">
+                <a16:creationId xmlns:a16="http://schemas.microsoft.com/office/drawing/2014/main" id="{B81B1EEE-FECE-A25D-9C70-4EC9E7D75037}"/>
+              </a:ext>
+            </a:extLst>
+          </p:cNvPr>
+          <p:cNvCxnSpPr>
+            <a:cxnSpLocks/>
+            <a:stCxn id="14" idx="0"/>
+          </p:cNvCxnSpPr>
+          <p:nvPr/>
+        </p:nvCxnSpPr>
+        <p:spPr>
+          <a:xfrm flipH="1" flipV="1">
+            <a:off x="2138638" y="3642367"/>
+            <a:ext cx="823766" cy="1213882"/>
+          </a:xfrm>
+          <a:prstGeom prst="straightConnector1">
+            <a:avLst/>
+          </a:prstGeom>
+          <a:ln>
+            <a:solidFill>
+              <a:srgbClr val="FF0000"/>
+            </a:solidFill>
+            <a:tailEnd type="triangle"/>
+          </a:ln>
+        </p:spPr>
+        <p:style>
+          <a:lnRef idx="1">
+            <a:schemeClr val="accent1"/>
+          </a:lnRef>
+          <a:fillRef idx="0">
+            <a:schemeClr val="accent1"/>
+          </a:fillRef>
+          <a:effectRef idx="0">
+            <a:schemeClr val="accent1"/>
+          </a:effectRef>
+          <a:fontRef idx="minor">
+            <a:schemeClr val="tx1"/>
+          </a:fontRef>
+        </p:style>
+      </p:cxnSp>
+    </p:spTree>
+    <p:extLst>
+      <p:ext uri="{BB962C8B-B14F-4D97-AF65-F5344CB8AC3E}">
+        <p14:creationId xmlns:p14="http://schemas.microsoft.com/office/powerpoint/2010/main" val="1468450858"/>
       </p:ext>
     </p:extLst>
   </p:cSld>
